--- a/신경망/(2020.08.25) 신경망 개요.pptx
+++ b/신경망/(2020.08.25) 신경망 개요.pptx
@@ -279,7 +279,7 @@
             <a:fld id="{DCF54973-D966-49B4-95FF-1EBA00B843D4}" type="datetimeFigureOut">
               <a:rPr lang="ko-KR" altLang="en-US" smtClean="0"/>
               <a:pPr/>
-              <a:t>2020-08-25</a:t>
+              <a:t>2020-08-26</a:t>
             </a:fld>
             <a:endParaRPr lang="ko-KR" altLang="en-US"/>
           </a:p>
@@ -12886,10 +12886,10 @@
               </a:lnSpc>
             </a:pPr>
             <a:r>
-              <a:rPr lang="ko-KR" altLang="en-US"/>
+              <a:rPr lang="ko-KR" altLang="en-US" dirty="0"/>
               <a:t>신경망 문제 해결 방법</a:t>
             </a:r>
-            <a:endParaRPr lang="en-US" altLang="ko-KR"/>
+            <a:endParaRPr lang="en-US" altLang="ko-KR" dirty="0"/>
           </a:p>
           <a:p>
             <a:pPr lvl="1">
@@ -12898,35 +12898,47 @@
               </a:lnSpc>
             </a:pPr>
             <a:r>
-              <a:rPr lang="ko-KR" altLang="en-US"/>
+              <a:rPr lang="ko-KR" altLang="en-US" dirty="0" err="1"/>
               <a:t>입력값</a:t>
             </a:r>
             <a:r>
-              <a:rPr lang="en-US" altLang="ko-KR"/>
+              <a:rPr lang="en-US" altLang="ko-KR" dirty="0"/>
               <a:t>(X) </a:t>
             </a:r>
             <a:r>
-              <a:rPr lang="ko-KR" altLang="en-US"/>
-              <a:t>와 타겟값</a:t>
-            </a:r>
-            <a:r>
-              <a:rPr lang="en-US" altLang="ko-KR"/>
+              <a:rPr lang="ko-KR" altLang="en-US" dirty="0"/>
+              <a:t>와 </a:t>
+            </a:r>
+            <a:r>
+              <a:rPr lang="ko-KR" altLang="en-US" dirty="0" err="1"/>
+              <a:t>타겟값</a:t>
+            </a:r>
+            <a:r>
+              <a:rPr lang="en-US" altLang="ko-KR" dirty="0"/>
               <a:t>(T) </a:t>
             </a:r>
             <a:r>
-              <a:rPr lang="ko-KR" altLang="en-US"/>
-              <a:t>는 고정된 상수값이다 </a:t>
-            </a:r>
-            <a:r>
-              <a:rPr lang="en-US" altLang="ko-KR"/>
+              <a:rPr lang="ko-KR" altLang="en-US" dirty="0"/>
+              <a:t>는 고정된 </a:t>
+            </a:r>
+            <a:r>
+              <a:rPr lang="ko-KR" altLang="en-US" dirty="0" err="1"/>
+              <a:t>상수값이다</a:t>
+            </a:r>
+            <a:r>
+              <a:rPr lang="ko-KR" altLang="en-US" dirty="0"/>
+              <a:t> </a:t>
+            </a:r>
+            <a:r>
+              <a:rPr lang="en-US" altLang="ko-KR" dirty="0"/>
               <a:t>(iris </a:t>
             </a:r>
             <a:r>
-              <a:rPr lang="ko-KR" altLang="en-US"/>
+              <a:rPr lang="ko-KR" altLang="en-US" dirty="0"/>
               <a:t>데이터의 샘플과 레이블 값들</a:t>
             </a:r>
             <a:r>
-              <a:rPr lang="en-US" altLang="ko-KR"/>
+              <a:rPr lang="en-US" altLang="ko-KR" dirty="0"/>
               <a:t>)</a:t>
             </a:r>
           </a:p>
@@ -12937,18 +12949,26 @@
               </a:lnSpc>
             </a:pPr>
             <a:r>
-              <a:rPr lang="ko-KR" altLang="en-US"/>
-              <a:t>신경망의 가중치값인 </a:t>
-            </a:r>
-            <a:r>
-              <a:rPr lang="en-US" altLang="ko-KR"/>
+              <a:rPr lang="ko-KR" altLang="en-US" dirty="0"/>
+              <a:t>신경망의 </a:t>
+            </a:r>
+            <a:r>
+              <a:rPr lang="ko-KR" altLang="en-US" dirty="0" err="1"/>
+              <a:t>가중치값인</a:t>
+            </a:r>
+            <a:r>
+              <a:rPr lang="ko-KR" altLang="en-US" dirty="0"/>
+              <a:t> </a:t>
+            </a:r>
+            <a:r>
+              <a:rPr lang="en-US" altLang="ko-KR" dirty="0"/>
               <a:t>W </a:t>
             </a:r>
             <a:r>
-              <a:rPr lang="ko-KR" altLang="en-US"/>
+              <a:rPr lang="ko-KR" altLang="en-US" dirty="0"/>
               <a:t>를 최적화하는 것이 문제이다</a:t>
             </a:r>
-            <a:endParaRPr lang="en-US" altLang="ko-KR"/>
+            <a:endParaRPr lang="en-US" altLang="ko-KR" dirty="0"/>
           </a:p>
           <a:p>
             <a:pPr lvl="1">
@@ -12957,10 +12977,10 @@
               </a:lnSpc>
             </a:pPr>
             <a:r>
-              <a:rPr lang="ko-KR" altLang="en-US"/>
+              <a:rPr lang="ko-KR" altLang="en-US" dirty="0"/>
               <a:t>해결 방법</a:t>
             </a:r>
-            <a:endParaRPr lang="en-US" altLang="ko-KR"/>
+            <a:endParaRPr lang="en-US" altLang="ko-KR" dirty="0"/>
           </a:p>
           <a:p>
             <a:pPr marL="876300" lvl="2" indent="-342900">
@@ -12970,23 +12990,27 @@
               <a:buAutoNum type="arabicPeriod"/>
             </a:pPr>
             <a:r>
-              <a:rPr lang="en-US" altLang="ko-KR"/>
+              <a:rPr lang="en-US" altLang="ko-KR" dirty="0"/>
               <a:t>W </a:t>
             </a:r>
             <a:r>
-              <a:rPr lang="ko-KR" altLang="en-US"/>
+              <a:rPr lang="ko-KR" altLang="en-US" dirty="0"/>
               <a:t>를 초기화한다</a:t>
             </a:r>
             <a:r>
-              <a:rPr lang="en-US" altLang="ko-KR"/>
+              <a:rPr lang="en-US" altLang="ko-KR" dirty="0"/>
               <a:t>. (0 </a:t>
             </a:r>
             <a:r>
-              <a:rPr lang="ko-KR" altLang="en-US"/>
-              <a:t>또는 랜덤값</a:t>
-            </a:r>
-            <a:r>
-              <a:rPr lang="en-US" altLang="ko-KR"/>
+              <a:rPr lang="ko-KR" altLang="en-US" dirty="0"/>
+              <a:t>또는 </a:t>
+            </a:r>
+            <a:r>
+              <a:rPr lang="ko-KR" altLang="en-US" dirty="0" err="1"/>
+              <a:t>랜덤값</a:t>
+            </a:r>
+            <a:r>
+              <a:rPr lang="en-US" altLang="ko-KR" dirty="0"/>
               <a:t>)</a:t>
             </a:r>
           </a:p>
@@ -12998,30 +13022,38 @@
               <a:buAutoNum type="arabicPeriod"/>
             </a:pPr>
             <a:r>
-              <a:rPr lang="en-US" altLang="ko-KR"/>
+              <a:rPr lang="en-US" altLang="ko-KR" dirty="0"/>
               <a:t>X </a:t>
             </a:r>
             <a:r>
-              <a:rPr lang="ko-KR" altLang="en-US"/>
+              <a:rPr lang="ko-KR" altLang="en-US" dirty="0"/>
               <a:t>와 </a:t>
             </a:r>
             <a:r>
-              <a:rPr lang="en-US" altLang="ko-KR"/>
+              <a:rPr lang="en-US" altLang="ko-KR" dirty="0"/>
               <a:t>W </a:t>
             </a:r>
             <a:r>
-              <a:rPr lang="ko-KR" altLang="en-US"/>
-              <a:t>를 이용하여 출력값인 </a:t>
-            </a:r>
-            <a:r>
-              <a:rPr lang="en-US" altLang="ko-KR"/>
+              <a:rPr lang="ko-KR" altLang="en-US" dirty="0"/>
+              <a:t>를 이용하여 </a:t>
+            </a:r>
+            <a:r>
+              <a:rPr lang="ko-KR" altLang="en-US" dirty="0" err="1"/>
+              <a:t>출력값인</a:t>
+            </a:r>
+            <a:r>
+              <a:rPr lang="ko-KR" altLang="en-US" dirty="0"/>
+              <a:t> </a:t>
+            </a:r>
+            <a:r>
+              <a:rPr lang="en-US" altLang="ko-KR" dirty="0"/>
               <a:t>Y </a:t>
             </a:r>
             <a:r>
-              <a:rPr lang="ko-KR" altLang="en-US"/>
+              <a:rPr lang="ko-KR" altLang="en-US" dirty="0"/>
               <a:t>를 구한다</a:t>
             </a:r>
-            <a:endParaRPr lang="en-US" altLang="ko-KR"/>
+            <a:endParaRPr lang="en-US" altLang="ko-KR" dirty="0"/>
           </a:p>
           <a:p>
             <a:pPr marL="876300" lvl="2" indent="-342900">
@@ -13031,38 +13063,50 @@
               <a:buAutoNum type="arabicPeriod"/>
             </a:pPr>
             <a:r>
-              <a:rPr lang="ko-KR" altLang="en-US"/>
-              <a:t>타겟값인 </a:t>
-            </a:r>
-            <a:r>
-              <a:rPr lang="en-US" altLang="ko-KR"/>
+              <a:rPr lang="ko-KR" altLang="en-US" dirty="0" err="1"/>
+              <a:t>타겟값인</a:t>
+            </a:r>
+            <a:r>
+              <a:rPr lang="ko-KR" altLang="en-US" dirty="0"/>
+              <a:t> </a:t>
+            </a:r>
+            <a:r>
+              <a:rPr lang="en-US" altLang="ko-KR" dirty="0"/>
               <a:t>T </a:t>
             </a:r>
             <a:r>
-              <a:rPr lang="ko-KR" altLang="en-US"/>
-              <a:t>와 출력값 </a:t>
-            </a:r>
-            <a:r>
-              <a:rPr lang="en-US" altLang="ko-KR"/>
+              <a:rPr lang="ko-KR" altLang="en-US" dirty="0"/>
+              <a:t>와 </a:t>
+            </a:r>
+            <a:r>
+              <a:rPr lang="ko-KR" altLang="en-US" dirty="0" err="1"/>
+              <a:t>출력값</a:t>
+            </a:r>
+            <a:r>
+              <a:rPr lang="ko-KR" altLang="en-US" dirty="0"/>
+              <a:t> </a:t>
+            </a:r>
+            <a:r>
+              <a:rPr lang="en-US" altLang="ko-KR" dirty="0"/>
               <a:t>Y </a:t>
             </a:r>
             <a:r>
-              <a:rPr lang="ko-KR" altLang="en-US"/>
+              <a:rPr lang="ko-KR" altLang="en-US" dirty="0"/>
               <a:t>를 가지고 비용함수</a:t>
             </a:r>
             <a:r>
-              <a:rPr lang="en-US" altLang="ko-KR"/>
+              <a:rPr lang="en-US" altLang="ko-KR" dirty="0"/>
               <a:t>(cost function) </a:t>
             </a:r>
             <a:r>
-              <a:rPr lang="ko-KR" altLang="en-US"/>
+              <a:rPr lang="ko-KR" altLang="en-US" dirty="0"/>
               <a:t>를 구한다 </a:t>
             </a:r>
             <a:r>
               <a:rPr lang="en-US" altLang="ko-KR">
                 <a:sym typeface="Wingdings" pitchFamily="2" charset="2"/>
               </a:rPr>
-              <a:t> </a:t>
+              <a:t> MSE, </a:t>
             </a:r>
             <a:r>
               <a:rPr lang="ko-KR" altLang="en-US">
@@ -13070,7 +13114,7 @@
               </a:rPr>
               <a:t>크로스 엔트로피</a:t>
             </a:r>
-            <a:endParaRPr lang="en-US" altLang="ko-KR"/>
+            <a:endParaRPr lang="en-US" altLang="ko-KR" dirty="0"/>
           </a:p>
           <a:p>
             <a:pPr marL="876300" lvl="2" indent="-342900">
@@ -13080,28 +13124,28 @@
               <a:buAutoNum type="arabicPeriod"/>
             </a:pPr>
             <a:r>
-              <a:rPr lang="ko-KR" altLang="en-US"/>
+              <a:rPr lang="ko-KR" altLang="en-US" dirty="0"/>
               <a:t>비용함수 값을 줄이도록 </a:t>
             </a:r>
             <a:r>
-              <a:rPr lang="en-US" altLang="ko-KR"/>
+              <a:rPr lang="en-US" altLang="ko-KR" dirty="0"/>
               <a:t>W </a:t>
             </a:r>
             <a:r>
-              <a:rPr lang="ko-KR" altLang="en-US"/>
+              <a:rPr lang="ko-KR" altLang="en-US" dirty="0"/>
               <a:t>값을 변경한다 </a:t>
             </a:r>
             <a:r>
-              <a:rPr lang="en-US" altLang="ko-KR">
+              <a:rPr lang="en-US" altLang="ko-KR" dirty="0">
                 <a:sym typeface="Wingdings" pitchFamily="2" charset="2"/>
               </a:rPr>
               <a:t> </a:t>
             </a:r>
             <a:r>
-              <a:rPr lang="ko-KR" altLang="en-US"/>
+              <a:rPr lang="ko-KR" altLang="en-US" dirty="0" err="1"/>
               <a:t>경사하강법</a:t>
             </a:r>
-            <a:endParaRPr lang="en-US" altLang="ko-KR"/>
+            <a:endParaRPr lang="en-US" altLang="ko-KR" dirty="0"/>
           </a:p>
           <a:p>
             <a:pPr marL="876300" lvl="2" indent="-342900">
@@ -13111,14 +13155,14 @@
               <a:buAutoNum type="arabicPeriod"/>
             </a:pPr>
             <a:r>
-              <a:rPr lang="en-US" altLang="ko-KR"/>
+              <a:rPr lang="en-US" altLang="ko-KR" dirty="0"/>
               <a:t>2</a:t>
             </a:r>
             <a:r>
-              <a:rPr lang="ko-KR" altLang="en-US"/>
+              <a:rPr lang="ko-KR" altLang="en-US" dirty="0"/>
               <a:t>번 부터 반복</a:t>
             </a:r>
-            <a:endParaRPr lang="en-US" altLang="ko-KR"/>
+            <a:endParaRPr lang="en-US" altLang="ko-KR" dirty="0"/>
           </a:p>
         </p:txBody>
       </p:sp>
